--- a/Later/Java_Later/MongoDB_2/87/How to Create User & add Role in MongoDB.pptx
+++ b/Later/Java_Later/MongoDB_2/87/How to Create User & add Role in MongoDB.pptx
@@ -5,12 +5,11 @@
     <p:sldMasterId id="2147483672" r:id="rId1"/>
   </p:sldMasterIdLst>
   <p:notesMasterIdLst>
-    <p:notesMasterId r:id="rId5"/>
+    <p:notesMasterId r:id="rId4"/>
   </p:notesMasterIdLst>
   <p:sldIdLst>
     <p:sldId id="464" r:id="rId2"/>
     <p:sldId id="466" r:id="rId3"/>
-    <p:sldId id="465" r:id="rId4"/>
   </p:sldIdLst>
   <p:sldSz cx="9144000" cy="5029200"/>
   <p:notesSz cx="6858000" cy="9144000"/>
@@ -224,7 +223,7 @@
           <a:p>
             <a:fld id="{62274EC6-3890-417B-9308-14EFBD00FA63}" type="datetimeFigureOut">
               <a:rPr lang="en-US" smtClean="0"/>
-              <a:t>12/1/2020</a:t>
+              <a:t>12/2/2020</a:t>
             </a:fld>
             <a:endParaRPr lang="en-US" dirty="0"/>
           </a:p>
@@ -669,95 +668,6 @@
 </p:notes>
 </file>
 
-<file path=ppt/notesSlides/notesSlide3.xml><?xml version="1.0" encoding="utf-8"?>
-<p:notes xmlns:a="http://schemas.openxmlformats.org/drawingml/2006/main" xmlns:r="http://schemas.openxmlformats.org/officeDocument/2006/relationships" xmlns:p="http://schemas.openxmlformats.org/presentationml/2006/main">
-  <p:cSld>
-    <p:spTree>
-      <p:nvGrpSpPr>
-        <p:cNvPr id="1" name=""/>
-        <p:cNvGrpSpPr/>
-        <p:nvPr/>
-      </p:nvGrpSpPr>
-      <p:grpSpPr>
-        <a:xfrm>
-          <a:off x="0" y="0"/>
-          <a:ext cx="0" cy="0"/>
-          <a:chOff x="0" y="0"/>
-          <a:chExt cx="0" cy="0"/>
-        </a:xfrm>
-      </p:grpSpPr>
-      <p:sp>
-        <p:nvSpPr>
-          <p:cNvPr id="2" name="Slide Image Placeholder 1"/>
-          <p:cNvSpPr>
-            <a:spLocks noGrp="1" noRot="1" noChangeAspect="1"/>
-          </p:cNvSpPr>
-          <p:nvPr>
-            <p:ph type="sldImg"/>
-          </p:nvPr>
-        </p:nvSpPr>
-        <p:spPr>
-          <a:xfrm>
-            <a:off x="312738" y="685800"/>
-            <a:ext cx="6232525" cy="3429000"/>
-          </a:xfrm>
-        </p:spPr>
-      </p:sp>
-      <p:sp>
-        <p:nvSpPr>
-          <p:cNvPr id="3" name="Notes Placeholder 2"/>
-          <p:cNvSpPr>
-            <a:spLocks noGrp="1"/>
-          </p:cNvSpPr>
-          <p:nvPr>
-            <p:ph type="body" idx="1"/>
-          </p:nvPr>
-        </p:nvSpPr>
-        <p:spPr/>
-        <p:txBody>
-          <a:bodyPr/>
-          <a:lstStyle/>
-          <a:p>
-            <a:endParaRPr lang="en-US" dirty="0"/>
-          </a:p>
-        </p:txBody>
-      </p:sp>
-      <p:sp>
-        <p:nvSpPr>
-          <p:cNvPr id="4" name="Slide Number Placeholder 3"/>
-          <p:cNvSpPr>
-            <a:spLocks noGrp="1"/>
-          </p:cNvSpPr>
-          <p:nvPr>
-            <p:ph type="sldNum" sz="quarter" idx="10"/>
-          </p:nvPr>
-        </p:nvSpPr>
-        <p:spPr/>
-        <p:txBody>
-          <a:bodyPr/>
-          <a:lstStyle/>
-          <a:p>
-            <a:fld id="{A883C400-BD9D-4609-A213-F91E9750031E}" type="slidenum">
-              <a:rPr lang="en-US" smtClean="0"/>
-              <a:t>3</a:t>
-            </a:fld>
-            <a:endParaRPr lang="en-US" dirty="0"/>
-          </a:p>
-        </p:txBody>
-      </p:sp>
-    </p:spTree>
-    <p:extLst>
-      <p:ext uri="{BB962C8B-B14F-4D97-AF65-F5344CB8AC3E}">
-        <p14:creationId xmlns:p14="http://schemas.microsoft.com/office/powerpoint/2010/main" val="4195558700"/>
-      </p:ext>
-    </p:extLst>
-  </p:cSld>
-  <p:clrMapOvr>
-    <a:masterClrMapping/>
-  </p:clrMapOvr>
-</p:notes>
-</file>
-
 <file path=ppt/slideLayouts/slideLayout1.xml><?xml version="1.0" encoding="utf-8"?>
 <p:sldLayout xmlns:a="http://schemas.openxmlformats.org/drawingml/2006/main" xmlns:r="http://schemas.openxmlformats.org/officeDocument/2006/relationships" xmlns:p="http://schemas.openxmlformats.org/presentationml/2006/main" type="title" preserve="1">
   <p:cSld name="Title Slide">
@@ -938,7 +848,7 @@
             <a:fld id="{1D8BD707-D9CF-40AE-B4C6-C98DA3205C09}" type="datetimeFigureOut">
               <a:rPr lang="en-US" smtClean="0"/>
               <a:pPr/>
-              <a:t>12/1/2020</a:t>
+              <a:t>12/2/2020</a:t>
             </a:fld>
             <a:endParaRPr lang="en-US" dirty="0"/>
           </a:p>
@@ -1108,7 +1018,7 @@
             <a:fld id="{1D8BD707-D9CF-40AE-B4C6-C98DA3205C09}" type="datetimeFigureOut">
               <a:rPr lang="en-US" smtClean="0"/>
               <a:pPr/>
-              <a:t>12/1/2020</a:t>
+              <a:t>12/2/2020</a:t>
             </a:fld>
             <a:endParaRPr lang="en-US" dirty="0"/>
           </a:p>
@@ -1288,7 +1198,7 @@
             <a:fld id="{1D8BD707-D9CF-40AE-B4C6-C98DA3205C09}" type="datetimeFigureOut">
               <a:rPr lang="en-US" smtClean="0"/>
               <a:pPr/>
-              <a:t>12/1/2020</a:t>
+              <a:t>12/2/2020</a:t>
             </a:fld>
             <a:endParaRPr lang="en-US" dirty="0"/>
           </a:p>
@@ -1458,7 +1368,7 @@
             <a:fld id="{1D8BD707-D9CF-40AE-B4C6-C98DA3205C09}" type="datetimeFigureOut">
               <a:rPr lang="en-US" smtClean="0"/>
               <a:pPr/>
-              <a:t>12/1/2020</a:t>
+              <a:t>12/2/2020</a:t>
             </a:fld>
             <a:endParaRPr lang="en-US" dirty="0"/>
           </a:p>
@@ -1705,7 +1615,7 @@
             <a:fld id="{1D8BD707-D9CF-40AE-B4C6-C98DA3205C09}" type="datetimeFigureOut">
               <a:rPr lang="en-US" smtClean="0"/>
               <a:pPr/>
-              <a:t>12/1/2020</a:t>
+              <a:t>12/2/2020</a:t>
             </a:fld>
             <a:endParaRPr lang="en-US" dirty="0"/>
           </a:p>
@@ -1992,7 +1902,7 @@
             <a:fld id="{1D8BD707-D9CF-40AE-B4C6-C98DA3205C09}" type="datetimeFigureOut">
               <a:rPr lang="en-US" smtClean="0"/>
               <a:pPr/>
-              <a:t>12/1/2020</a:t>
+              <a:t>12/2/2020</a:t>
             </a:fld>
             <a:endParaRPr lang="en-US" dirty="0"/>
           </a:p>
@@ -2418,7 +2328,7 @@
             <a:fld id="{1D8BD707-D9CF-40AE-B4C6-C98DA3205C09}" type="datetimeFigureOut">
               <a:rPr lang="en-US" smtClean="0"/>
               <a:pPr/>
-              <a:t>12/1/2020</a:t>
+              <a:t>12/2/2020</a:t>
             </a:fld>
             <a:endParaRPr lang="en-US" dirty="0"/>
           </a:p>
@@ -2537,7 +2447,7 @@
             <a:fld id="{1D8BD707-D9CF-40AE-B4C6-C98DA3205C09}" type="datetimeFigureOut">
               <a:rPr lang="en-US" smtClean="0"/>
               <a:pPr/>
-              <a:t>12/1/2020</a:t>
+              <a:t>12/2/2020</a:t>
             </a:fld>
             <a:endParaRPr lang="en-US" dirty="0"/>
           </a:p>
@@ -2634,7 +2544,7 @@
             <a:fld id="{1D8BD707-D9CF-40AE-B4C6-C98DA3205C09}" type="datetimeFigureOut">
               <a:rPr lang="en-US" smtClean="0"/>
               <a:pPr/>
-              <a:t>12/1/2020</a:t>
+              <a:t>12/2/2020</a:t>
             </a:fld>
             <a:endParaRPr lang="en-US" dirty="0"/>
           </a:p>
@@ -2911,7 +2821,7 @@
             <a:fld id="{1D8BD707-D9CF-40AE-B4C6-C98DA3205C09}" type="datetimeFigureOut">
               <a:rPr lang="en-US" smtClean="0"/>
               <a:pPr/>
-              <a:t>12/1/2020</a:t>
+              <a:t>12/2/2020</a:t>
             </a:fld>
             <a:endParaRPr lang="en-US" dirty="0"/>
           </a:p>
@@ -3165,7 +3075,7 @@
             <a:fld id="{1D8BD707-D9CF-40AE-B4C6-C98DA3205C09}" type="datetimeFigureOut">
               <a:rPr lang="en-US" smtClean="0"/>
               <a:pPr/>
-              <a:t>12/1/2020</a:t>
+              <a:t>12/2/2020</a:t>
             </a:fld>
             <a:endParaRPr lang="en-US" dirty="0"/>
           </a:p>
@@ -3378,7 +3288,7 @@
             <a:fld id="{1D8BD707-D9CF-40AE-B4C6-C98DA3205C09}" type="datetimeFigureOut">
               <a:rPr lang="en-US" smtClean="0"/>
               <a:pPr/>
-              <a:t>12/1/2020</a:t>
+              <a:t>12/2/2020</a:t>
             </a:fld>
             <a:endParaRPr lang="en-US" dirty="0"/>
           </a:p>
@@ -3806,71 +3716,127 @@
           <a:lstStyle/>
           <a:p>
             <a:r>
-              <a:rPr lang="en-US" sz="1400" dirty="0" err="1"/>
+              <a:rPr lang="en-US" sz="1400" dirty="0" err="1">
+                <a:solidFill>
+                  <a:srgbClr val="002060"/>
+                </a:solidFill>
+              </a:rPr>
               <a:t>db.createUser</a:t>
             </a:r>
             <a:r>
-              <a:rPr lang="en-US" sz="1400" dirty="0"/>
+              <a:rPr lang="en-US" sz="1400" dirty="0">
+                <a:solidFill>
+                  <a:srgbClr val="002060"/>
+                </a:solidFill>
+              </a:rPr>
               <a:t>(</a:t>
             </a:r>
           </a:p>
           <a:p>
             <a:r>
-              <a:rPr lang="en-US" sz="1400" dirty="0"/>
+              <a:rPr lang="en-US" sz="1400" dirty="0">
+                <a:solidFill>
+                  <a:srgbClr val="002060"/>
+                </a:solidFill>
+              </a:rPr>
               <a:t>  {	</a:t>
             </a:r>
           </a:p>
           <a:p>
             <a:r>
-              <a:rPr lang="en-US" sz="1400" dirty="0"/>
+              <a:rPr lang="en-US" sz="1400" dirty="0">
+                <a:solidFill>
+                  <a:srgbClr val="002060"/>
+                </a:solidFill>
+              </a:rPr>
               <a:t>        user: "peter",  </a:t>
             </a:r>
           </a:p>
           <a:p>
             <a:r>
-              <a:rPr lang="en-US" sz="1400" dirty="0"/>
+              <a:rPr lang="en-US" sz="1400" dirty="0">
+                <a:solidFill>
+                  <a:srgbClr val="002060"/>
+                </a:solidFill>
+              </a:rPr>
               <a:t>        </a:t>
             </a:r>
             <a:r>
-              <a:rPr lang="en-US" sz="1400" dirty="0" err="1"/>
+              <a:rPr lang="en-US" sz="1400" dirty="0" err="1">
+                <a:solidFill>
+                  <a:srgbClr val="002060"/>
+                </a:solidFill>
+              </a:rPr>
               <a:t>pwd</a:t>
             </a:r>
             <a:r>
-              <a:rPr lang="en-US" sz="1400" dirty="0"/>
+              <a:rPr lang="en-US" sz="1400" dirty="0">
+                <a:solidFill>
+                  <a:srgbClr val="002060"/>
+                </a:solidFill>
+              </a:rPr>
               <a:t>: "password",  </a:t>
             </a:r>
           </a:p>
           <a:p>
             <a:r>
-              <a:rPr lang="en-US" sz="1400" dirty="0"/>
+              <a:rPr lang="en-US" sz="1400" dirty="0">
+                <a:solidFill>
+                  <a:srgbClr val="002060"/>
+                </a:solidFill>
+              </a:rPr>
               <a:t>        roles: [{role: "</a:t>
             </a:r>
             <a:r>
-              <a:rPr lang="en-US" sz="1400" dirty="0" err="1"/>
+              <a:rPr lang="en-US" sz="1400" dirty="0" err="1">
+                <a:solidFill>
+                  <a:srgbClr val="002060"/>
+                </a:solidFill>
+              </a:rPr>
               <a:t>userAdminAnyDatabase</a:t>
             </a:r>
             <a:r>
-              <a:rPr lang="en-US" sz="1400" dirty="0"/>
+              <a:rPr lang="en-US" sz="1400" dirty="0">
+                <a:solidFill>
+                  <a:srgbClr val="002060"/>
+                </a:solidFill>
+              </a:rPr>
               <a:t>" , </a:t>
             </a:r>
             <a:r>
-              <a:rPr lang="en-US" sz="1400" dirty="0" err="1"/>
+              <a:rPr lang="en-US" sz="1400" dirty="0" err="1">
+                <a:solidFill>
+                  <a:srgbClr val="002060"/>
+                </a:solidFill>
+              </a:rPr>
               <a:t>db</a:t>
             </a:r>
             <a:r>
-              <a:rPr lang="en-US" sz="1400" dirty="0"/>
+              <a:rPr lang="en-US" sz="1400" dirty="0">
+                <a:solidFill>
+                  <a:srgbClr val="002060"/>
+                </a:solidFill>
+              </a:rPr>
               <a:t>:"admin"}]</a:t>
             </a:r>
           </a:p>
           <a:p>
             <a:r>
-              <a:rPr lang="en-US" sz="1400" dirty="0"/>
+              <a:rPr lang="en-US" sz="1400" dirty="0">
+                <a:solidFill>
+                  <a:srgbClr val="002060"/>
+                </a:solidFill>
+              </a:rPr>
               <a:t> }</a:t>
             </a:r>
           </a:p>
           <a:p>
             <a:r>
-              <a:rPr lang="en-US" sz="1400" dirty="0"/>
+              <a:rPr lang="en-US" sz="1400" dirty="0">
+                <a:solidFill>
+                  <a:srgbClr val="002060"/>
+                </a:solidFill>
+              </a:rPr>
               <a:t>)</a:t>
             </a:r>
           </a:p>
@@ -3990,143 +3956,6 @@
           <a:lstStyle/>
           <a:p>
             <a:endParaRPr lang="en-US" sz="1200" dirty="0"/>
-          </a:p>
-        </p:txBody>
-      </p:sp>
-      <p:sp>
-        <p:nvSpPr>
-          <p:cNvPr id="9" name="Rectangle 8"/>
-          <p:cNvSpPr/>
-          <p:nvPr/>
-        </p:nvSpPr>
-        <p:spPr>
-          <a:xfrm>
-            <a:off x="2895600" y="35739"/>
-            <a:ext cx="3048000" cy="276999"/>
-          </a:xfrm>
-          <a:prstGeom prst="rect">
-            <a:avLst/>
-          </a:prstGeom>
-        </p:spPr>
-        <p:style>
-          <a:lnRef idx="1">
-            <a:schemeClr val="accent4"/>
-          </a:lnRef>
-          <a:fillRef idx="3">
-            <a:schemeClr val="accent4"/>
-          </a:fillRef>
-          <a:effectRef idx="2">
-            <a:schemeClr val="accent4"/>
-          </a:effectRef>
-          <a:fontRef idx="minor">
-            <a:schemeClr val="lt1"/>
-          </a:fontRef>
-        </p:style>
-        <p:txBody>
-          <a:bodyPr wrap="square">
-            <a:spAutoFit/>
-          </a:bodyPr>
-          <a:lstStyle>
-            <a:defPPr>
-              <a:defRPr lang="en-US"/>
-            </a:defPPr>
-            <a:lvl1pPr marL="0" algn="l" defTabSz="914400" rtl="0" eaLnBrk="1" latinLnBrk="0" hangingPunct="1">
-              <a:defRPr sz="1800" kern="1200">
-                <a:solidFill>
-                  <a:schemeClr val="lt1"/>
-                </a:solidFill>
-                <a:latin typeface="+mn-lt"/>
-                <a:ea typeface="+mn-ea"/>
-                <a:cs typeface="+mn-cs"/>
-              </a:defRPr>
-            </a:lvl1pPr>
-            <a:lvl2pPr marL="457200" algn="l" defTabSz="914400" rtl="0" eaLnBrk="1" latinLnBrk="0" hangingPunct="1">
-              <a:defRPr sz="1800" kern="1200">
-                <a:solidFill>
-                  <a:schemeClr val="lt1"/>
-                </a:solidFill>
-                <a:latin typeface="+mn-lt"/>
-                <a:ea typeface="+mn-ea"/>
-                <a:cs typeface="+mn-cs"/>
-              </a:defRPr>
-            </a:lvl2pPr>
-            <a:lvl3pPr marL="914400" algn="l" defTabSz="914400" rtl="0" eaLnBrk="1" latinLnBrk="0" hangingPunct="1">
-              <a:defRPr sz="1800" kern="1200">
-                <a:solidFill>
-                  <a:schemeClr val="lt1"/>
-                </a:solidFill>
-                <a:latin typeface="+mn-lt"/>
-                <a:ea typeface="+mn-ea"/>
-                <a:cs typeface="+mn-cs"/>
-              </a:defRPr>
-            </a:lvl3pPr>
-            <a:lvl4pPr marL="1371600" algn="l" defTabSz="914400" rtl="0" eaLnBrk="1" latinLnBrk="0" hangingPunct="1">
-              <a:defRPr sz="1800" kern="1200">
-                <a:solidFill>
-                  <a:schemeClr val="lt1"/>
-                </a:solidFill>
-                <a:latin typeface="+mn-lt"/>
-                <a:ea typeface="+mn-ea"/>
-                <a:cs typeface="+mn-cs"/>
-              </a:defRPr>
-            </a:lvl4pPr>
-            <a:lvl5pPr marL="1828800" algn="l" defTabSz="914400" rtl="0" eaLnBrk="1" latinLnBrk="0" hangingPunct="1">
-              <a:defRPr sz="1800" kern="1200">
-                <a:solidFill>
-                  <a:schemeClr val="lt1"/>
-                </a:solidFill>
-                <a:latin typeface="+mn-lt"/>
-                <a:ea typeface="+mn-ea"/>
-                <a:cs typeface="+mn-cs"/>
-              </a:defRPr>
-            </a:lvl5pPr>
-            <a:lvl6pPr marL="2286000" algn="l" defTabSz="914400" rtl="0" eaLnBrk="1" latinLnBrk="0" hangingPunct="1">
-              <a:defRPr sz="1800" kern="1200">
-                <a:solidFill>
-                  <a:schemeClr val="lt1"/>
-                </a:solidFill>
-                <a:latin typeface="+mn-lt"/>
-                <a:ea typeface="+mn-ea"/>
-                <a:cs typeface="+mn-cs"/>
-              </a:defRPr>
-            </a:lvl6pPr>
-            <a:lvl7pPr marL="2743200" algn="l" defTabSz="914400" rtl="0" eaLnBrk="1" latinLnBrk="0" hangingPunct="1">
-              <a:defRPr sz="1800" kern="1200">
-                <a:solidFill>
-                  <a:schemeClr val="lt1"/>
-                </a:solidFill>
-                <a:latin typeface="+mn-lt"/>
-                <a:ea typeface="+mn-ea"/>
-                <a:cs typeface="+mn-cs"/>
-              </a:defRPr>
-            </a:lvl7pPr>
-            <a:lvl8pPr marL="3200400" algn="l" defTabSz="914400" rtl="0" eaLnBrk="1" latinLnBrk="0" hangingPunct="1">
-              <a:defRPr sz="1800" kern="1200">
-                <a:solidFill>
-                  <a:schemeClr val="lt1"/>
-                </a:solidFill>
-                <a:latin typeface="+mn-lt"/>
-                <a:ea typeface="+mn-ea"/>
-                <a:cs typeface="+mn-cs"/>
-              </a:defRPr>
-            </a:lvl8pPr>
-            <a:lvl9pPr marL="3657600" algn="l" defTabSz="914400" rtl="0" eaLnBrk="1" latinLnBrk="0" hangingPunct="1">
-              <a:defRPr sz="1800" kern="1200">
-                <a:solidFill>
-                  <a:schemeClr val="lt1"/>
-                </a:solidFill>
-                <a:latin typeface="+mn-lt"/>
-                <a:ea typeface="+mn-ea"/>
-                <a:cs typeface="+mn-cs"/>
-              </a:defRPr>
-            </a:lvl9pPr>
-          </a:lstStyle>
-          <a:p>
-            <a:pPr algn="ctr"/>
-            <a:r>
-              <a:rPr lang="en-US" sz="1200" dirty="0"/>
-              <a:t>How to Create User &amp; add Role in MongoDB?</a:t>
-            </a:r>
           </a:p>
         </p:txBody>
       </p:sp>
@@ -4395,6 +4224,169 @@
               <a:buChar char="ü"/>
             </a:pPr>
             <a:endParaRPr lang="en-US" sz="1200" dirty="0"/>
+          </a:p>
+        </p:txBody>
+      </p:sp>
+      <p:sp>
+        <p:nvSpPr>
+          <p:cNvPr id="11" name="Rectangle 10">
+            <a:extLst>
+              <a:ext uri="{FF2B5EF4-FFF2-40B4-BE49-F238E27FC236}">
+                <a16:creationId xmlns:a16="http://schemas.microsoft.com/office/drawing/2014/main" id="{A02B1AB7-A45F-41AA-8807-B8362904790E}"/>
+              </a:ext>
+            </a:extLst>
+          </p:cNvPr>
+          <p:cNvSpPr/>
+          <p:nvPr/>
+        </p:nvSpPr>
+        <p:spPr>
+          <a:xfrm>
+            <a:off x="2209800" y="35739"/>
+            <a:ext cx="4572000" cy="276999"/>
+          </a:xfrm>
+          <a:prstGeom prst="rect">
+            <a:avLst/>
+          </a:prstGeom>
+        </p:spPr>
+        <p:style>
+          <a:lnRef idx="1">
+            <a:schemeClr val="accent4"/>
+          </a:lnRef>
+          <a:fillRef idx="3">
+            <a:schemeClr val="accent4"/>
+          </a:fillRef>
+          <a:effectRef idx="2">
+            <a:schemeClr val="accent4"/>
+          </a:effectRef>
+          <a:fontRef idx="minor">
+            <a:schemeClr val="lt1"/>
+          </a:fontRef>
+        </p:style>
+        <p:txBody>
+          <a:bodyPr wrap="square">
+            <a:spAutoFit/>
+          </a:bodyPr>
+          <a:lstStyle>
+            <a:defPPr>
+              <a:defRPr lang="en-US"/>
+            </a:defPPr>
+            <a:lvl1pPr marL="0" algn="l" defTabSz="914400" rtl="0" eaLnBrk="1" latinLnBrk="0" hangingPunct="1">
+              <a:defRPr sz="1800" kern="1200">
+                <a:solidFill>
+                  <a:schemeClr val="lt1"/>
+                </a:solidFill>
+                <a:latin typeface="+mn-lt"/>
+                <a:ea typeface="+mn-ea"/>
+                <a:cs typeface="+mn-cs"/>
+              </a:defRPr>
+            </a:lvl1pPr>
+            <a:lvl2pPr marL="457200" algn="l" defTabSz="914400" rtl="0" eaLnBrk="1" latinLnBrk="0" hangingPunct="1">
+              <a:defRPr sz="1800" kern="1200">
+                <a:solidFill>
+                  <a:schemeClr val="lt1"/>
+                </a:solidFill>
+                <a:latin typeface="+mn-lt"/>
+                <a:ea typeface="+mn-ea"/>
+                <a:cs typeface="+mn-cs"/>
+              </a:defRPr>
+            </a:lvl2pPr>
+            <a:lvl3pPr marL="914400" algn="l" defTabSz="914400" rtl="0" eaLnBrk="1" latinLnBrk="0" hangingPunct="1">
+              <a:defRPr sz="1800" kern="1200">
+                <a:solidFill>
+                  <a:schemeClr val="lt1"/>
+                </a:solidFill>
+                <a:latin typeface="+mn-lt"/>
+                <a:ea typeface="+mn-ea"/>
+                <a:cs typeface="+mn-cs"/>
+              </a:defRPr>
+            </a:lvl3pPr>
+            <a:lvl4pPr marL="1371600" algn="l" defTabSz="914400" rtl="0" eaLnBrk="1" latinLnBrk="0" hangingPunct="1">
+              <a:defRPr sz="1800" kern="1200">
+                <a:solidFill>
+                  <a:schemeClr val="lt1"/>
+                </a:solidFill>
+                <a:latin typeface="+mn-lt"/>
+                <a:ea typeface="+mn-ea"/>
+                <a:cs typeface="+mn-cs"/>
+              </a:defRPr>
+            </a:lvl4pPr>
+            <a:lvl5pPr marL="1828800" algn="l" defTabSz="914400" rtl="0" eaLnBrk="1" latinLnBrk="0" hangingPunct="1">
+              <a:defRPr sz="1800" kern="1200">
+                <a:solidFill>
+                  <a:schemeClr val="lt1"/>
+                </a:solidFill>
+                <a:latin typeface="+mn-lt"/>
+                <a:ea typeface="+mn-ea"/>
+                <a:cs typeface="+mn-cs"/>
+              </a:defRPr>
+            </a:lvl5pPr>
+            <a:lvl6pPr marL="2286000" algn="l" defTabSz="914400" rtl="0" eaLnBrk="1" latinLnBrk="0" hangingPunct="1">
+              <a:defRPr sz="1800" kern="1200">
+                <a:solidFill>
+                  <a:schemeClr val="lt1"/>
+                </a:solidFill>
+                <a:latin typeface="+mn-lt"/>
+                <a:ea typeface="+mn-ea"/>
+                <a:cs typeface="+mn-cs"/>
+              </a:defRPr>
+            </a:lvl6pPr>
+            <a:lvl7pPr marL="2743200" algn="l" defTabSz="914400" rtl="0" eaLnBrk="1" latinLnBrk="0" hangingPunct="1">
+              <a:defRPr sz="1800" kern="1200">
+                <a:solidFill>
+                  <a:schemeClr val="lt1"/>
+                </a:solidFill>
+                <a:latin typeface="+mn-lt"/>
+                <a:ea typeface="+mn-ea"/>
+                <a:cs typeface="+mn-cs"/>
+              </a:defRPr>
+            </a:lvl7pPr>
+            <a:lvl8pPr marL="3200400" algn="l" defTabSz="914400" rtl="0" eaLnBrk="1" latinLnBrk="0" hangingPunct="1">
+              <a:defRPr sz="1800" kern="1200">
+                <a:solidFill>
+                  <a:schemeClr val="lt1"/>
+                </a:solidFill>
+                <a:latin typeface="+mn-lt"/>
+                <a:ea typeface="+mn-ea"/>
+                <a:cs typeface="+mn-cs"/>
+              </a:defRPr>
+            </a:lvl8pPr>
+            <a:lvl9pPr marL="3657600" algn="l" defTabSz="914400" rtl="0" eaLnBrk="1" latinLnBrk="0" hangingPunct="1">
+              <a:defRPr sz="1800" kern="1200">
+                <a:solidFill>
+                  <a:schemeClr val="lt1"/>
+                </a:solidFill>
+                <a:latin typeface="+mn-lt"/>
+                <a:ea typeface="+mn-ea"/>
+                <a:cs typeface="+mn-cs"/>
+              </a:defRPr>
+            </a:lvl9pPr>
+          </a:lstStyle>
+          <a:p>
+            <a:pPr algn="ctr"/>
+            <a:r>
+              <a:rPr lang="en-US" sz="1200" dirty="0">
+                <a:solidFill>
+                  <a:schemeClr val="bg1"/>
+                </a:solidFill>
+              </a:rPr>
+              <a:t>How to Create User &amp; add Role[</a:t>
+            </a:r>
+            <a:r>
+              <a:rPr lang="en-US" sz="1200" dirty="0" err="1">
+                <a:solidFill>
+                  <a:schemeClr val="bg1"/>
+                </a:solidFill>
+              </a:rPr>
+              <a:t>userAdminAnyDatabase</a:t>
+            </a:r>
+            <a:r>
+              <a:rPr lang="en-US" sz="1200" dirty="0">
+                <a:solidFill>
+                  <a:schemeClr val="bg1"/>
+                </a:solidFill>
+              </a:rPr>
+              <a:t>] in MongoDB?</a:t>
+            </a:r>
           </a:p>
         </p:txBody>
       </p:sp>
@@ -4553,8 +4545,8 @@
         </p:nvSpPr>
         <p:spPr>
           <a:xfrm>
-            <a:off x="2895600" y="35739"/>
-            <a:ext cx="3048000" cy="276999"/>
+            <a:off x="2209800" y="35739"/>
+            <a:ext cx="4572000" cy="276999"/>
           </a:xfrm>
           <a:prstGeom prst="rect">
             <a:avLst/>
@@ -4676,8 +4668,28 @@
           <a:p>
             <a:pPr algn="ctr"/>
             <a:r>
-              <a:rPr lang="en-US" sz="1200" dirty="0"/>
-              <a:t>How to Create User &amp; add Role in MongoDB?</a:t>
+              <a:rPr lang="en-US" sz="1200" dirty="0">
+                <a:solidFill>
+                  <a:schemeClr val="bg1"/>
+                </a:solidFill>
+              </a:rPr>
+              <a:t>How to Create User &amp; add Role[</a:t>
+            </a:r>
+            <a:r>
+              <a:rPr lang="en-US" sz="1200" dirty="0" err="1">
+                <a:solidFill>
+                  <a:schemeClr val="bg1"/>
+                </a:solidFill>
+              </a:rPr>
+              <a:t>userAdminAnyDatabase</a:t>
+            </a:r>
+            <a:r>
+              <a:rPr lang="en-US" sz="1200" dirty="0">
+                <a:solidFill>
+                  <a:schemeClr val="bg1"/>
+                </a:solidFill>
+              </a:rPr>
+              <a:t>] in MongoDB?</a:t>
             </a:r>
           </a:p>
         </p:txBody>
@@ -4802,7 +4814,11 @@
               <a:buFont typeface="Wingdings" pitchFamily="2" charset="2"/>
               <a:buChar char="ü"/>
             </a:pPr>
-            <a:endParaRPr lang="en-US" sz="1200" dirty="0"/>
+            <a:endParaRPr lang="en-US" sz="1200" dirty="0">
+              <a:solidFill>
+                <a:schemeClr val="lt1"/>
+              </a:solidFill>
+            </a:endParaRPr>
           </a:p>
           <a:p>
             <a:pPr marL="171450" indent="-171450">
@@ -4988,425 +5004,6 @@
     <p:extLst>
       <p:ext uri="{BB962C8B-B14F-4D97-AF65-F5344CB8AC3E}">
         <p14:creationId xmlns:p14="http://schemas.microsoft.com/office/powerpoint/2010/main" val="230387260"/>
-      </p:ext>
-    </p:extLst>
-  </p:cSld>
-  <p:clrMapOvr>
-    <a:masterClrMapping/>
-  </p:clrMapOvr>
-</p:sld>
-</file>
-
-<file path=ppt/slides/slide3.xml><?xml version="1.0" encoding="utf-8"?>
-<p:sld xmlns:a="http://schemas.openxmlformats.org/drawingml/2006/main" xmlns:r="http://schemas.openxmlformats.org/officeDocument/2006/relationships" xmlns:p="http://schemas.openxmlformats.org/presentationml/2006/main">
-  <p:cSld>
-    <p:spTree>
-      <p:nvGrpSpPr>
-        <p:cNvPr id="1" name=""/>
-        <p:cNvGrpSpPr/>
-        <p:nvPr/>
-      </p:nvGrpSpPr>
-      <p:grpSpPr>
-        <a:xfrm>
-          <a:off x="0" y="0"/>
-          <a:ext cx="0" cy="0"/>
-          <a:chOff x="0" y="0"/>
-          <a:chExt cx="0" cy="0"/>
-        </a:xfrm>
-      </p:grpSpPr>
-      <p:sp>
-        <p:nvSpPr>
-          <p:cNvPr id="3" name="AutoShape 2" descr="data:image/png;base64,iVBORw0KGgoAAAANSUhEUgAAANEAAADxCAMAAABiSKLrAAAAbFBMVEWIiIj////6+vr29vb19fX4+Pj5+fnu7u77+/v39/f9/f3z8/P+/v709PT8/Pyqqqrt7e3v7+/w8PDx8fHy8vK+vr7Q0NCjo6OBgYHY2Njk5OTHx8eNjY3c3NzGxsbn5+eWlpa1tbWcnJx6enob4+f+AAAIqklEQVR4nO3dCZuaOhQGYEZAh0FkX2W1//8/lkVMICeIkRmOPHz22lYg5OVEZLFzJRNrnC+xSGt3nJvQekMUYktnEiM1ouDrjCs/pukLkzoRtpjmNRcloRUFoiS8oo5UvLwsYpEgCaXoHLYiMRJqkRAJt0iEhFwkQMIqCgJRElpRLErCL3r1oxavSJSEWCRIQikyOtGQNPd8CaXICc04FiXhFomQkIsESChFbmhmwiT0opf3eBivMzSjLuORnh49oKxRKxIloayR24oESShFRScSI6EUJaGZCJNwiwhp/skFcpFAlbCLXiehF71MQisSJiEVVYkwqRP9oEpXI1HSXXRuWjo/2jz3f3v8YfjS7871lbU1EiT1IjrAKrvX/2iurzisijkk8OQC5ah7iERIyEUCJOyi10noRU9J490DUpFPRAApniJhFVnzSaOdOF6RKAmlKGhFgiTMohdIyYeIhEh30aV99E9NLo8VXLqn++Q/mIuIREid6DJsv32s91Ityi1hEtJRl5+ESX2NMKUR2ZYoCbNIjIRV5FiiJIyicx7mriVEKnCKfvxadBIloRQ1NTqJkcICpcgPr7rjOPYJZnFNbZVwikw/YHNlXmDi4xW9kU70jSnNqOu/xL4R0aWg3yNMgNHWp0I66i7Dy5PsdXFuApw1Eg8RndfuykLZa4Q/512EPrsIfzYtOmwje43wh4h+1u7KQvm5bk601wh9NlijXYQ+uwh/HqLrZkTXh+h4PDQP8lQ/PvAlSrT2xl0oRHQ5biOXXYQ+uwh/dhH+7CL82bRI3Ua2XKPvtTfuQvneReizi/BnF+HPLsKfTYu0bYQWsd5PfImIDmtv3IVy2EXos4vwZxfhzy7CH0okbyO7CH+2/D46rr1xF8pxF6HPLsKfXYQ/uwh/KJGyjWxatPZwWShEpK69cReKuovQZxfhzy7Cn12EP0SkGduItmHRzFF3P3r63ZHzTl4YdYqsHg/e/YdF2e7xcFRVrba109gMFp2evGhmjzpFVZLcvJVpl7K8hWaVB1liNVNdJh7VZ4Wd7P4aaa5I866lFEnDRHWksC5eVgtH8VWy8PHGTE5V/rr+QqSocTnm9CpTM+SMmRhVVJcPKbPYv5VFcs7x1F3P1eeikl1sXZHGB0lRLH+eSI75ICk6KZ8nctkOkaQN+cNEWjBRIimU0YpkHY4hmxOgqNIMHRaRJo6giLO+dyM/F1nsvpfqWVAv92Eihe0u3bNE+TgR/FkURfWhUHPMIBsguh6N0yKNs7o/EGkVIEpj+XA8fltJ0GzqDxMdQwBka+2gqQ/p9FYkpaNIiEXuje3OddQfg738rFCTcYmME9sdKXntbY1MBOy802JrotJ6bSUiInLia7y2+aZEbXuyxXbn5vXXGQazDs+6xUWGoql2kXU/DDrOssLWNFmZ65oQufeflwvU6PHDdO8ki/0xu/Rb7RVRvZNJgupW7y3bU+T6JLnej97MPLNUhbPIbJEV9U2y/eknHds5lfhfNMo/sb23oRX5LQXWGUmpGdtz3nxEpOiep7eP+5MFUEZJj+0SCnsCVX/CkrZUQFRvQG+8RkNOzHTi5LL0rW6x8YL0bwolGtdolqir0fQxAyQCNrdsVczFmdFS6fXp+4kSecPMEqntrAYkkklTYI288frkYKI+j+XCYtzRUdCIdMV/7mkWTDNmY6AU6bo5C9QknqwSEpFuzAdJUjZFQiJSoFMWfhIDu0ievDjD5ubquEV6AjVet3krU3B/Hvn8cYdDBJxUSlKVaJqmWvENMiXcImEQKcCYi26W1nZaN9SAXXFkcos0JZpxXLeICDpLDnVSBDkDusAtEhGN72p5J78LcMbn9+nudemgiDSlASLF66cC20NKbZ3qCnAnIfKp9gcxiIjVPj8/8mbVCBY9VsNes42C4YgBrgyUJ06NpkRdCuD8yB418pYIOkl2hyuQ2SOkKOMMO4M76vrBB4sG84Cjjrr5Cooeo4TdLwyGbLsC4IKgD93dHY66lUQye7gQxfqgfdcDhr7JeSOtLoL2dOn4KEdX2E+s0hp24j3RaUERsPnLLBmlYPceaYJVBB0Bja85p8ANn3rXgFX02kEqaSGAeywoGs7zjghYdqYoxyp68USCtMDZfX+wqHomav53fkBcWDSYx4NEBpkuAyLj3oSwSDIVsMM6ETVAp/3V/KG2tP/xRPRccI1IW7Comyr8PupE9052bbW/0yLHpX/1T1wRmQuskULa4oqcd/Z1pjLu6li0zqgDP49m5fmo+2NR3z50zFBYczLsBB6Rxx6y8Q5wRoE7LCaylhM5BnTs7cGdmZP1RZzdygeLXOjW9fg94jYXUnjjbBHRcJ5nImVKBA67fFgkL/HzIE4KRW7vM0/i/kQ0WSPHg75KldHdqc+h7pfZ0jKs/GuDM3hvNSLizSEqoroE1Yia7ELf00kIWS/o09z+EmLA6bC3hMh9TwRskDq51x47e4Zzhc73Qt64wyByPOjmUVT6cZZkcQV+0zxNflX05qgD36tSe3MilcCr1FLEe9sPRDYYjmgwD1wjMl1hm4h0ugF43PETVd6wB3RbKES2Pu+2cr9waHFBWESO+8JtyxrkckFYRDa8dxAAoRHNH3hRNTHkUIlsY9Z3TqR6LzcFokScSsKi4TzPRMYske0VT78XJJkJZ8uTzojV6FdEtmNkE9/diqLUzJTpAtmzalQyF6FvI5ETA9+OpraQwTYhwRvQMYqryX6sNn8vq8AynnqoGuXuCY7N/vMR3R7N47DzePR04J+gjJt4rM7V3SzwzbC8FzYtb2Z1jQtDd3nLDOLmD1E9v90++qfT4Lfh5N+cq/508shXb5st6Ll1cWa2RYu2EUo0p6QfkF2EP7sIf3YR/hCRs3ZXFoqzYdEGR92su1D4Q486yzq1D/L0iS85W67R2l1ZKLsIfzYs4l05+bg8rpxU/lZS3UXbyvZE/wFXu+LXNTDaDQAAAABJRU5ErkJggg=="/>
-          <p:cNvSpPr>
-            <a:spLocks noChangeAspect="1" noChangeArrowheads="1"/>
-          </p:cNvSpPr>
-          <p:nvPr/>
-        </p:nvSpPr>
-        <p:spPr bwMode="auto">
-          <a:xfrm>
-            <a:off x="155575" y="-144463"/>
-            <a:ext cx="304800" cy="304801"/>
-          </a:xfrm>
-          <a:prstGeom prst="rect">
-            <a:avLst/>
-          </a:prstGeom>
-          <a:noFill/>
-          <a:extLst>
-            <a:ext uri="{909E8E84-426E-40DD-AFC4-6F175D3DCCD1}">
-              <a14:hiddenFill xmlns:a14="http://schemas.microsoft.com/office/drawing/2010/main">
-                <a:solidFill>
-                  <a:srgbClr val="FFFFFF"/>
-                </a:solidFill>
-              </a14:hiddenFill>
-            </a:ext>
-          </a:extLst>
-        </p:spPr>
-        <p:txBody>
-          <a:bodyPr vert="horz" wrap="square" lIns="91440" tIns="45720" rIns="91440" bIns="45720" numCol="1" anchor="t" anchorCtr="0" compatLnSpc="1">
-            <a:prstTxWarp prst="textNoShape">
-              <a:avLst/>
-            </a:prstTxWarp>
-          </a:bodyPr>
-          <a:lstStyle/>
-          <a:p>
-            <a:endParaRPr lang="en-US" sz="1200" dirty="0"/>
-          </a:p>
-        </p:txBody>
-      </p:sp>
-      <p:sp>
-        <p:nvSpPr>
-          <p:cNvPr id="2" name="AutoShape 2" descr="Image result for file"/>
-          <p:cNvSpPr>
-            <a:spLocks noChangeAspect="1" noChangeArrowheads="1"/>
-          </p:cNvSpPr>
-          <p:nvPr/>
-        </p:nvSpPr>
-        <p:spPr bwMode="auto">
-          <a:xfrm>
-            <a:off x="307975" y="7937"/>
-            <a:ext cx="304800" cy="304801"/>
-          </a:xfrm>
-          <a:prstGeom prst="rect">
-            <a:avLst/>
-          </a:prstGeom>
-          <a:noFill/>
-          <a:extLst>
-            <a:ext uri="{909E8E84-426E-40DD-AFC4-6F175D3DCCD1}">
-              <a14:hiddenFill xmlns:a14="http://schemas.microsoft.com/office/drawing/2010/main">
-                <a:solidFill>
-                  <a:srgbClr val="FFFFFF"/>
-                </a:solidFill>
-              </a14:hiddenFill>
-            </a:ext>
-          </a:extLst>
-        </p:spPr>
-        <p:txBody>
-          <a:bodyPr vert="horz" wrap="square" lIns="91440" tIns="45720" rIns="91440" bIns="45720" numCol="1" anchor="t" anchorCtr="0" compatLnSpc="1">
-            <a:prstTxWarp prst="textNoShape">
-              <a:avLst/>
-            </a:prstTxWarp>
-          </a:bodyPr>
-          <a:lstStyle/>
-          <a:p>
-            <a:endParaRPr lang="en-US" sz="1200" dirty="0"/>
-          </a:p>
-        </p:txBody>
-      </p:sp>
-      <p:sp>
-        <p:nvSpPr>
-          <p:cNvPr id="4" name="AutoShape 4" descr="Image result for file"/>
-          <p:cNvSpPr>
-            <a:spLocks noChangeAspect="1" noChangeArrowheads="1"/>
-          </p:cNvSpPr>
-          <p:nvPr/>
-        </p:nvSpPr>
-        <p:spPr bwMode="auto">
-          <a:xfrm>
-            <a:off x="460375" y="160337"/>
-            <a:ext cx="304800" cy="304801"/>
-          </a:xfrm>
-          <a:prstGeom prst="rect">
-            <a:avLst/>
-          </a:prstGeom>
-          <a:noFill/>
-          <a:extLst>
-            <a:ext uri="{909E8E84-426E-40DD-AFC4-6F175D3DCCD1}">
-              <a14:hiddenFill xmlns:a14="http://schemas.microsoft.com/office/drawing/2010/main">
-                <a:solidFill>
-                  <a:srgbClr val="FFFFFF"/>
-                </a:solidFill>
-              </a14:hiddenFill>
-            </a:ext>
-          </a:extLst>
-        </p:spPr>
-        <p:txBody>
-          <a:bodyPr vert="horz" wrap="square" lIns="91440" tIns="45720" rIns="91440" bIns="45720" numCol="1" anchor="t" anchorCtr="0" compatLnSpc="1">
-            <a:prstTxWarp prst="textNoShape">
-              <a:avLst/>
-            </a:prstTxWarp>
-          </a:bodyPr>
-          <a:lstStyle/>
-          <a:p>
-            <a:endParaRPr lang="en-US" sz="1200" dirty="0"/>
-          </a:p>
-        </p:txBody>
-      </p:sp>
-      <p:sp>
-        <p:nvSpPr>
-          <p:cNvPr id="9" name="Rectangle 8"/>
-          <p:cNvSpPr/>
-          <p:nvPr/>
-        </p:nvSpPr>
-        <p:spPr>
-          <a:xfrm>
-            <a:off x="2895600" y="35739"/>
-            <a:ext cx="3048000" cy="276999"/>
-          </a:xfrm>
-          <a:prstGeom prst="rect">
-            <a:avLst/>
-          </a:prstGeom>
-        </p:spPr>
-        <p:style>
-          <a:lnRef idx="1">
-            <a:schemeClr val="accent4"/>
-          </a:lnRef>
-          <a:fillRef idx="3">
-            <a:schemeClr val="accent4"/>
-          </a:fillRef>
-          <a:effectRef idx="2">
-            <a:schemeClr val="accent4"/>
-          </a:effectRef>
-          <a:fontRef idx="minor">
-            <a:schemeClr val="lt1"/>
-          </a:fontRef>
-        </p:style>
-        <p:txBody>
-          <a:bodyPr wrap="square">
-            <a:spAutoFit/>
-          </a:bodyPr>
-          <a:lstStyle>
-            <a:defPPr>
-              <a:defRPr lang="en-US"/>
-            </a:defPPr>
-            <a:lvl1pPr marL="0" algn="l" defTabSz="914400" rtl="0" eaLnBrk="1" latinLnBrk="0" hangingPunct="1">
-              <a:defRPr sz="1800" kern="1200">
-                <a:solidFill>
-                  <a:schemeClr val="lt1"/>
-                </a:solidFill>
-                <a:latin typeface="+mn-lt"/>
-                <a:ea typeface="+mn-ea"/>
-                <a:cs typeface="+mn-cs"/>
-              </a:defRPr>
-            </a:lvl1pPr>
-            <a:lvl2pPr marL="457200" algn="l" defTabSz="914400" rtl="0" eaLnBrk="1" latinLnBrk="0" hangingPunct="1">
-              <a:defRPr sz="1800" kern="1200">
-                <a:solidFill>
-                  <a:schemeClr val="lt1"/>
-                </a:solidFill>
-                <a:latin typeface="+mn-lt"/>
-                <a:ea typeface="+mn-ea"/>
-                <a:cs typeface="+mn-cs"/>
-              </a:defRPr>
-            </a:lvl2pPr>
-            <a:lvl3pPr marL="914400" algn="l" defTabSz="914400" rtl="0" eaLnBrk="1" latinLnBrk="0" hangingPunct="1">
-              <a:defRPr sz="1800" kern="1200">
-                <a:solidFill>
-                  <a:schemeClr val="lt1"/>
-                </a:solidFill>
-                <a:latin typeface="+mn-lt"/>
-                <a:ea typeface="+mn-ea"/>
-                <a:cs typeface="+mn-cs"/>
-              </a:defRPr>
-            </a:lvl3pPr>
-            <a:lvl4pPr marL="1371600" algn="l" defTabSz="914400" rtl="0" eaLnBrk="1" latinLnBrk="0" hangingPunct="1">
-              <a:defRPr sz="1800" kern="1200">
-                <a:solidFill>
-                  <a:schemeClr val="lt1"/>
-                </a:solidFill>
-                <a:latin typeface="+mn-lt"/>
-                <a:ea typeface="+mn-ea"/>
-                <a:cs typeface="+mn-cs"/>
-              </a:defRPr>
-            </a:lvl4pPr>
-            <a:lvl5pPr marL="1828800" algn="l" defTabSz="914400" rtl="0" eaLnBrk="1" latinLnBrk="0" hangingPunct="1">
-              <a:defRPr sz="1800" kern="1200">
-                <a:solidFill>
-                  <a:schemeClr val="lt1"/>
-                </a:solidFill>
-                <a:latin typeface="+mn-lt"/>
-                <a:ea typeface="+mn-ea"/>
-                <a:cs typeface="+mn-cs"/>
-              </a:defRPr>
-            </a:lvl5pPr>
-            <a:lvl6pPr marL="2286000" algn="l" defTabSz="914400" rtl="0" eaLnBrk="1" latinLnBrk="0" hangingPunct="1">
-              <a:defRPr sz="1800" kern="1200">
-                <a:solidFill>
-                  <a:schemeClr val="lt1"/>
-                </a:solidFill>
-                <a:latin typeface="+mn-lt"/>
-                <a:ea typeface="+mn-ea"/>
-                <a:cs typeface="+mn-cs"/>
-              </a:defRPr>
-            </a:lvl6pPr>
-            <a:lvl7pPr marL="2743200" algn="l" defTabSz="914400" rtl="0" eaLnBrk="1" latinLnBrk="0" hangingPunct="1">
-              <a:defRPr sz="1800" kern="1200">
-                <a:solidFill>
-                  <a:schemeClr val="lt1"/>
-                </a:solidFill>
-                <a:latin typeface="+mn-lt"/>
-                <a:ea typeface="+mn-ea"/>
-                <a:cs typeface="+mn-cs"/>
-              </a:defRPr>
-            </a:lvl7pPr>
-            <a:lvl8pPr marL="3200400" algn="l" defTabSz="914400" rtl="0" eaLnBrk="1" latinLnBrk="0" hangingPunct="1">
-              <a:defRPr sz="1800" kern="1200">
-                <a:solidFill>
-                  <a:schemeClr val="lt1"/>
-                </a:solidFill>
-                <a:latin typeface="+mn-lt"/>
-                <a:ea typeface="+mn-ea"/>
-                <a:cs typeface="+mn-cs"/>
-              </a:defRPr>
-            </a:lvl8pPr>
-            <a:lvl9pPr marL="3657600" algn="l" defTabSz="914400" rtl="0" eaLnBrk="1" latinLnBrk="0" hangingPunct="1">
-              <a:defRPr sz="1800" kern="1200">
-                <a:solidFill>
-                  <a:schemeClr val="lt1"/>
-                </a:solidFill>
-                <a:latin typeface="+mn-lt"/>
-                <a:ea typeface="+mn-ea"/>
-                <a:cs typeface="+mn-cs"/>
-              </a:defRPr>
-            </a:lvl9pPr>
-          </a:lstStyle>
-          <a:p>
-            <a:pPr algn="ctr"/>
-            <a:r>
-              <a:rPr lang="en-US" sz="1200" dirty="0"/>
-              <a:t>How to Create User &amp; add Role in MongoDB?</a:t>
-            </a:r>
-          </a:p>
-        </p:txBody>
-      </p:sp>
-      <p:sp>
-        <p:nvSpPr>
-          <p:cNvPr id="5" name="AutoShape 2" descr="Image result for xml symbol"/>
-          <p:cNvSpPr>
-            <a:spLocks noChangeAspect="1" noChangeArrowheads="1"/>
-          </p:cNvSpPr>
-          <p:nvPr/>
-        </p:nvSpPr>
-        <p:spPr bwMode="auto">
-          <a:xfrm>
-            <a:off x="1309225" y="325320"/>
-            <a:ext cx="304800" cy="304801"/>
-          </a:xfrm>
-          <a:prstGeom prst="rect">
-            <a:avLst/>
-          </a:prstGeom>
-          <a:noFill/>
-          <a:extLst>
-            <a:ext uri="{909E8E84-426E-40DD-AFC4-6F175D3DCCD1}">
-              <a14:hiddenFill xmlns:a14="http://schemas.microsoft.com/office/drawing/2010/main">
-                <a:solidFill>
-                  <a:srgbClr val="FFFFFF"/>
-                </a:solidFill>
-              </a14:hiddenFill>
-            </a:ext>
-          </a:extLst>
-        </p:spPr>
-        <p:txBody>
-          <a:bodyPr vert="horz" wrap="square" lIns="91440" tIns="45720" rIns="91440" bIns="45720" numCol="1" anchor="t" anchorCtr="0" compatLnSpc="1">
-            <a:prstTxWarp prst="textNoShape">
-              <a:avLst/>
-            </a:prstTxWarp>
-          </a:bodyPr>
-          <a:lstStyle/>
-          <a:p>
-            <a:endParaRPr lang="en-US" sz="1200"/>
-          </a:p>
-        </p:txBody>
-      </p:sp>
-      <p:sp>
-        <p:nvSpPr>
-          <p:cNvPr id="6" name="AutoShape 4" descr="Image result for xml symbol"/>
-          <p:cNvSpPr>
-            <a:spLocks noChangeAspect="1" noChangeArrowheads="1"/>
-          </p:cNvSpPr>
-          <p:nvPr/>
-        </p:nvSpPr>
-        <p:spPr bwMode="auto">
-          <a:xfrm>
-            <a:off x="-755650" y="465137"/>
-            <a:ext cx="304800" cy="304801"/>
-          </a:xfrm>
-          <a:prstGeom prst="rect">
-            <a:avLst/>
-          </a:prstGeom>
-          <a:noFill/>
-          <a:extLst>
-            <a:ext uri="{909E8E84-426E-40DD-AFC4-6F175D3DCCD1}">
-              <a14:hiddenFill xmlns:a14="http://schemas.microsoft.com/office/drawing/2010/main">
-                <a:solidFill>
-                  <a:srgbClr val="FFFFFF"/>
-                </a:solidFill>
-              </a14:hiddenFill>
-            </a:ext>
-          </a:extLst>
-        </p:spPr>
-        <p:txBody>
-          <a:bodyPr vert="horz" wrap="square" lIns="91440" tIns="45720" rIns="91440" bIns="45720" numCol="1" anchor="t" anchorCtr="0" compatLnSpc="1">
-            <a:prstTxWarp prst="textNoShape">
-              <a:avLst/>
-            </a:prstTxWarp>
-          </a:bodyPr>
-          <a:lstStyle/>
-          <a:p>
-            <a:endParaRPr lang="en-US" sz="1200"/>
-          </a:p>
-        </p:txBody>
-      </p:sp>
-      <p:sp>
-        <p:nvSpPr>
-          <p:cNvPr id="10" name="Rounded Rectangular Callout 9"/>
-          <p:cNvSpPr/>
-          <p:nvPr/>
-        </p:nvSpPr>
-        <p:spPr>
-          <a:xfrm>
-            <a:off x="228600" y="477720"/>
-            <a:ext cx="8686799" cy="1906488"/>
-          </a:xfrm>
-          <a:prstGeom prst="wedgeRoundRectCallout">
-            <a:avLst>
-              <a:gd name="adj1" fmla="val -3590"/>
-              <a:gd name="adj2" fmla="val 85175"/>
-              <a:gd name="adj3" fmla="val 16667"/>
-            </a:avLst>
-          </a:prstGeom>
-          <a:ln w="3175"/>
-        </p:spPr>
-        <p:style>
-          <a:lnRef idx="2">
-            <a:schemeClr val="accent4"/>
-          </a:lnRef>
-          <a:fillRef idx="1">
-            <a:schemeClr val="lt1"/>
-          </a:fillRef>
-          <a:effectRef idx="0">
-            <a:schemeClr val="accent4"/>
-          </a:effectRef>
-          <a:fontRef idx="minor">
-            <a:schemeClr val="dk1"/>
-          </a:fontRef>
-        </p:style>
-        <p:txBody>
-          <a:bodyPr rtlCol="0" anchor="ctr"/>
-          <a:lstStyle/>
-          <a:p>
-            <a:pPr marL="171450" indent="-171450">
-              <a:buFont typeface="Wingdings" pitchFamily="2" charset="2"/>
-              <a:buChar char="ü"/>
-            </a:pPr>
-            <a:r>
-              <a:rPr lang="en-US" sz="1200" dirty="0"/>
-              <a:t>Provide </a:t>
-            </a:r>
-            <a:r>
-              <a:rPr lang="en-US" sz="1200" dirty="0" err="1"/>
-              <a:t>robo</a:t>
-            </a:r>
-            <a:r>
-              <a:rPr lang="en-US" sz="1200" dirty="0"/>
-              <a:t> 3T </a:t>
-            </a:r>
-          </a:p>
-        </p:txBody>
-      </p:sp>
-    </p:spTree>
-    <p:extLst>
-      <p:ext uri="{BB962C8B-B14F-4D97-AF65-F5344CB8AC3E}">
-        <p14:creationId xmlns:p14="http://schemas.microsoft.com/office/powerpoint/2010/main" val="3988673278"/>
       </p:ext>
     </p:extLst>
   </p:cSld>
